--- a/wind_solar_time_series_analysis/Wind_Solar_Energy_Modeling_Analysis.pptx
+++ b/wind_solar_time_series_analysis/Wind_Solar_Energy_Modeling_Analysis.pptx
@@ -10332,8 +10332,12 @@
           <a:p>
             <a:pPr algn="ctr"/>
             <a:r>
+              <a:rPr lang="en-US"/>
+              <a:t>August 9th</a:t>
+            </a:r>
+            <a:r>
               <a:rPr lang="en-US" dirty="0"/>
-              <a:t>August 6th, 2019 </a:t>
+              <a:t>, 2019 </a:t>
             </a:r>
           </a:p>
         </p:txBody>
